--- a/pln/Architecture.pptx
+++ b/pln/Architecture.pptx
@@ -696,7 +696,7 @@
           <a:p>
             <a:fld id="{4CA0312B-865C-4F06-9992-BCE01F8A166F}" type="datetimeFigureOut">
               <a:rPr lang="en-US" smtClean="0"/>
-              <a:t>6/26/2021</a:t>
+              <a:t>6/27/2021</a:t>
             </a:fld>
             <a:endParaRPr lang="en-US"/>
           </a:p>
@@ -894,7 +894,7 @@
           <a:p>
             <a:fld id="{4CA0312B-865C-4F06-9992-BCE01F8A166F}" type="datetimeFigureOut">
               <a:rPr lang="en-US" smtClean="0"/>
-              <a:t>6/26/2021</a:t>
+              <a:t>6/27/2021</a:t>
             </a:fld>
             <a:endParaRPr lang="en-US"/>
           </a:p>
@@ -1102,7 +1102,7 @@
           <a:p>
             <a:fld id="{4CA0312B-865C-4F06-9992-BCE01F8A166F}" type="datetimeFigureOut">
               <a:rPr lang="en-US" smtClean="0"/>
-              <a:t>6/26/2021</a:t>
+              <a:t>6/27/2021</a:t>
             </a:fld>
             <a:endParaRPr lang="en-US"/>
           </a:p>
@@ -1300,7 +1300,7 @@
           <a:p>
             <a:fld id="{4CA0312B-865C-4F06-9992-BCE01F8A166F}" type="datetimeFigureOut">
               <a:rPr lang="en-US" smtClean="0"/>
-              <a:t>6/26/2021</a:t>
+              <a:t>6/27/2021</a:t>
             </a:fld>
             <a:endParaRPr lang="en-US"/>
           </a:p>
@@ -1575,7 +1575,7 @@
           <a:p>
             <a:fld id="{4CA0312B-865C-4F06-9992-BCE01F8A166F}" type="datetimeFigureOut">
               <a:rPr lang="en-US" smtClean="0"/>
-              <a:t>6/26/2021</a:t>
+              <a:t>6/27/2021</a:t>
             </a:fld>
             <a:endParaRPr lang="en-US"/>
           </a:p>
@@ -1840,7 +1840,7 @@
           <a:p>
             <a:fld id="{4CA0312B-865C-4F06-9992-BCE01F8A166F}" type="datetimeFigureOut">
               <a:rPr lang="en-US" smtClean="0"/>
-              <a:t>6/26/2021</a:t>
+              <a:t>6/27/2021</a:t>
             </a:fld>
             <a:endParaRPr lang="en-US"/>
           </a:p>
@@ -2252,7 +2252,7 @@
           <a:p>
             <a:fld id="{4CA0312B-865C-4F06-9992-BCE01F8A166F}" type="datetimeFigureOut">
               <a:rPr lang="en-US" smtClean="0"/>
-              <a:t>6/26/2021</a:t>
+              <a:t>6/27/2021</a:t>
             </a:fld>
             <a:endParaRPr lang="en-US"/>
           </a:p>
@@ -2393,7 +2393,7 @@
           <a:p>
             <a:fld id="{4CA0312B-865C-4F06-9992-BCE01F8A166F}" type="datetimeFigureOut">
               <a:rPr lang="en-US" smtClean="0"/>
-              <a:t>6/26/2021</a:t>
+              <a:t>6/27/2021</a:t>
             </a:fld>
             <a:endParaRPr lang="en-US"/>
           </a:p>
@@ -2506,7 +2506,7 @@
           <a:p>
             <a:fld id="{4CA0312B-865C-4F06-9992-BCE01F8A166F}" type="datetimeFigureOut">
               <a:rPr lang="en-US" smtClean="0"/>
-              <a:t>6/26/2021</a:t>
+              <a:t>6/27/2021</a:t>
             </a:fld>
             <a:endParaRPr lang="en-US"/>
           </a:p>
@@ -2817,7 +2817,7 @@
           <a:p>
             <a:fld id="{4CA0312B-865C-4F06-9992-BCE01F8A166F}" type="datetimeFigureOut">
               <a:rPr lang="en-US" smtClean="0"/>
-              <a:t>6/26/2021</a:t>
+              <a:t>6/27/2021</a:t>
             </a:fld>
             <a:endParaRPr lang="en-US"/>
           </a:p>
@@ -3105,7 +3105,7 @@
           <a:p>
             <a:fld id="{4CA0312B-865C-4F06-9992-BCE01F8A166F}" type="datetimeFigureOut">
               <a:rPr lang="en-US" smtClean="0"/>
-              <a:t>6/26/2021</a:t>
+              <a:t>6/27/2021</a:t>
             </a:fld>
             <a:endParaRPr lang="en-US"/>
           </a:p>
@@ -3346,7 +3346,7 @@
           <a:p>
             <a:fld id="{4CA0312B-865C-4F06-9992-BCE01F8A166F}" type="datetimeFigureOut">
               <a:rPr lang="en-US" smtClean="0"/>
-              <a:t>6/26/2021</a:t>
+              <a:t>6/27/2021</a:t>
             </a:fld>
             <a:endParaRPr lang="en-US"/>
           </a:p>

--- a/pln/Architecture.pptx
+++ b/pln/Architecture.pptx
@@ -5,11 +5,12 @@
     <p:sldMasterId id="2147483648" r:id="rId1"/>
   </p:sldMasterIdLst>
   <p:notesMasterIdLst>
-    <p:notesMasterId r:id="rId4"/>
+    <p:notesMasterId r:id="rId5"/>
   </p:notesMasterIdLst>
   <p:sldIdLst>
     <p:sldId id="256" r:id="rId2"/>
     <p:sldId id="257" r:id="rId3"/>
+    <p:sldId id="258" r:id="rId4"/>
   </p:sldIdLst>
   <p:sldSz cx="12192000" cy="6858000"/>
   <p:notesSz cx="6858000" cy="9144000"/>
@@ -198,7 +199,7 @@
           <a:p>
             <a:fld id="{C9D275E4-F68C-43DC-9456-1005A756E008}" type="datetimeFigureOut">
               <a:rPr lang="en-US" smtClean="0"/>
-              <a:t>6/27/2021</a:t>
+              <a:t>6/29/2021</a:t>
             </a:fld>
             <a:endParaRPr lang="en-US"/>
           </a:p>
@@ -696,7 +697,7 @@
           <a:p>
             <a:fld id="{4CA0312B-865C-4F06-9992-BCE01F8A166F}" type="datetimeFigureOut">
               <a:rPr lang="en-US" smtClean="0"/>
-              <a:t>6/27/2021</a:t>
+              <a:t>6/29/2021</a:t>
             </a:fld>
             <a:endParaRPr lang="en-US"/>
           </a:p>
@@ -894,7 +895,7 @@
           <a:p>
             <a:fld id="{4CA0312B-865C-4F06-9992-BCE01F8A166F}" type="datetimeFigureOut">
               <a:rPr lang="en-US" smtClean="0"/>
-              <a:t>6/27/2021</a:t>
+              <a:t>6/29/2021</a:t>
             </a:fld>
             <a:endParaRPr lang="en-US"/>
           </a:p>
@@ -1102,7 +1103,7 @@
           <a:p>
             <a:fld id="{4CA0312B-865C-4F06-9992-BCE01F8A166F}" type="datetimeFigureOut">
               <a:rPr lang="en-US" smtClean="0"/>
-              <a:t>6/27/2021</a:t>
+              <a:t>6/29/2021</a:t>
             </a:fld>
             <a:endParaRPr lang="en-US"/>
           </a:p>
@@ -1300,7 +1301,7 @@
           <a:p>
             <a:fld id="{4CA0312B-865C-4F06-9992-BCE01F8A166F}" type="datetimeFigureOut">
               <a:rPr lang="en-US" smtClean="0"/>
-              <a:t>6/27/2021</a:t>
+              <a:t>6/29/2021</a:t>
             </a:fld>
             <a:endParaRPr lang="en-US"/>
           </a:p>
@@ -1575,7 +1576,7 @@
           <a:p>
             <a:fld id="{4CA0312B-865C-4F06-9992-BCE01F8A166F}" type="datetimeFigureOut">
               <a:rPr lang="en-US" smtClean="0"/>
-              <a:t>6/27/2021</a:t>
+              <a:t>6/29/2021</a:t>
             </a:fld>
             <a:endParaRPr lang="en-US"/>
           </a:p>
@@ -1840,7 +1841,7 @@
           <a:p>
             <a:fld id="{4CA0312B-865C-4F06-9992-BCE01F8A166F}" type="datetimeFigureOut">
               <a:rPr lang="en-US" smtClean="0"/>
-              <a:t>6/27/2021</a:t>
+              <a:t>6/29/2021</a:t>
             </a:fld>
             <a:endParaRPr lang="en-US"/>
           </a:p>
@@ -2252,7 +2253,7 @@
           <a:p>
             <a:fld id="{4CA0312B-865C-4F06-9992-BCE01F8A166F}" type="datetimeFigureOut">
               <a:rPr lang="en-US" smtClean="0"/>
-              <a:t>6/27/2021</a:t>
+              <a:t>6/29/2021</a:t>
             </a:fld>
             <a:endParaRPr lang="en-US"/>
           </a:p>
@@ -2393,7 +2394,7 @@
           <a:p>
             <a:fld id="{4CA0312B-865C-4F06-9992-BCE01F8A166F}" type="datetimeFigureOut">
               <a:rPr lang="en-US" smtClean="0"/>
-              <a:t>6/27/2021</a:t>
+              <a:t>6/29/2021</a:t>
             </a:fld>
             <a:endParaRPr lang="en-US"/>
           </a:p>
@@ -2506,7 +2507,7 @@
           <a:p>
             <a:fld id="{4CA0312B-865C-4F06-9992-BCE01F8A166F}" type="datetimeFigureOut">
               <a:rPr lang="en-US" smtClean="0"/>
-              <a:t>6/27/2021</a:t>
+              <a:t>6/29/2021</a:t>
             </a:fld>
             <a:endParaRPr lang="en-US"/>
           </a:p>
@@ -2817,7 +2818,7 @@
           <a:p>
             <a:fld id="{4CA0312B-865C-4F06-9992-BCE01F8A166F}" type="datetimeFigureOut">
               <a:rPr lang="en-US" smtClean="0"/>
-              <a:t>6/27/2021</a:t>
+              <a:t>6/29/2021</a:t>
             </a:fld>
             <a:endParaRPr lang="en-US"/>
           </a:p>
@@ -3105,7 +3106,7 @@
           <a:p>
             <a:fld id="{4CA0312B-865C-4F06-9992-BCE01F8A166F}" type="datetimeFigureOut">
               <a:rPr lang="en-US" smtClean="0"/>
-              <a:t>6/27/2021</a:t>
+              <a:t>6/29/2021</a:t>
             </a:fld>
             <a:endParaRPr lang="en-US"/>
           </a:p>
@@ -3346,7 +3347,7 @@
           <a:p>
             <a:fld id="{4CA0312B-865C-4F06-9992-BCE01F8A166F}" type="datetimeFigureOut">
               <a:rPr lang="en-US" smtClean="0"/>
-              <a:t>6/27/2021</a:t>
+              <a:t>6/29/2021</a:t>
             </a:fld>
             <a:endParaRPr lang="en-US"/>
           </a:p>
@@ -8607,6 +8608,148 @@
     <p:extLst>
       <p:ext uri="{BB962C8B-B14F-4D97-AF65-F5344CB8AC3E}">
         <p14:creationId xmlns:p14="http://schemas.microsoft.com/office/powerpoint/2010/main" val="545566038"/>
+      </p:ext>
+    </p:extLst>
+  </p:cSld>
+  <p:clrMapOvr>
+    <a:masterClrMapping/>
+  </p:clrMapOvr>
+</p:sld>
+</file>
+
+<file path=ppt/slides/slide3.xml><?xml version="1.0" encoding="utf-8"?>
+<p:sld xmlns:a="http://schemas.openxmlformats.org/drawingml/2006/main" xmlns:r="http://schemas.openxmlformats.org/officeDocument/2006/relationships" xmlns:p="http://schemas.openxmlformats.org/presentationml/2006/main">
+  <p:cSld>
+    <p:spTree>
+      <p:nvGrpSpPr>
+        <p:cNvPr id="1" name=""/>
+        <p:cNvGrpSpPr/>
+        <p:nvPr/>
+      </p:nvGrpSpPr>
+      <p:grpSpPr>
+        <a:xfrm>
+          <a:off x="0" y="0"/>
+          <a:ext cx="0" cy="0"/>
+          <a:chOff x="0" y="0"/>
+          <a:chExt cx="0" cy="0"/>
+        </a:xfrm>
+      </p:grpSpPr>
+      <p:sp>
+        <p:nvSpPr>
+          <p:cNvPr id="2" name="Title 1">
+            <a:extLst>
+              <a:ext uri="{FF2B5EF4-FFF2-40B4-BE49-F238E27FC236}">
+                <a16:creationId xmlns:a16="http://schemas.microsoft.com/office/drawing/2014/main" id="{362088A8-5794-477A-B406-07CF4ED080FD}"/>
+              </a:ext>
+            </a:extLst>
+          </p:cNvPr>
+          <p:cNvSpPr>
+            <a:spLocks noGrp="1"/>
+          </p:cNvSpPr>
+          <p:nvPr>
+            <p:ph type="title"/>
+          </p:nvPr>
+        </p:nvSpPr>
+        <p:spPr/>
+        <p:txBody>
+          <a:bodyPr/>
+          <a:lstStyle/>
+          <a:p>
+            <a:r>
+              <a:rPr lang="en-US" dirty="0"/>
+              <a:t>Data through controller</a:t>
+            </a:r>
+          </a:p>
+        </p:txBody>
+      </p:sp>
+      <p:sp>
+        <p:nvSpPr>
+          <p:cNvPr id="3" name="Content Placeholder 2">
+            <a:extLst>
+              <a:ext uri="{FF2B5EF4-FFF2-40B4-BE49-F238E27FC236}">
+                <a16:creationId xmlns:a16="http://schemas.microsoft.com/office/drawing/2014/main" id="{8F0ED887-3A45-42F7-ACF0-234DFED86845}"/>
+              </a:ext>
+            </a:extLst>
+          </p:cNvPr>
+          <p:cNvSpPr>
+            <a:spLocks noGrp="1"/>
+          </p:cNvSpPr>
+          <p:nvPr>
+            <p:ph idx="1"/>
+          </p:nvPr>
+        </p:nvSpPr>
+        <p:spPr/>
+        <p:txBody>
+          <a:bodyPr>
+            <a:normAutofit fontScale="92500" lnSpcReduction="20000"/>
+          </a:bodyPr>
+          <a:lstStyle/>
+          <a:p>
+            <a:r>
+              <a:rPr lang="en-US" dirty="0"/>
+              <a:t>Test parameters (make classes)</a:t>
+            </a:r>
+          </a:p>
+          <a:p>
+            <a:r>
+              <a:rPr lang="en-US" dirty="0"/>
+              <a:t>Setpoint array</a:t>
+            </a:r>
+          </a:p>
+          <a:p>
+            <a:r>
+              <a:rPr lang="en-US" dirty="0"/>
+              <a:t>Force array</a:t>
+            </a:r>
+          </a:p>
+          <a:p>
+            <a:r>
+              <a:rPr lang="en-US" dirty="0"/>
+              <a:t>Diameter array</a:t>
+            </a:r>
+          </a:p>
+          <a:p>
+            <a:r>
+              <a:rPr lang="en-US" dirty="0"/>
+              <a:t>Servo array</a:t>
+            </a:r>
+          </a:p>
+          <a:p>
+            <a:r>
+              <a:rPr lang="en-US" dirty="0"/>
+              <a:t>Timestamps</a:t>
+            </a:r>
+          </a:p>
+          <a:p>
+            <a:r>
+              <a:rPr lang="en-US" dirty="0"/>
+              <a:t>Controller type/parameters</a:t>
+            </a:r>
+          </a:p>
+          <a:p>
+            <a:r>
+              <a:rPr lang="en-US" dirty="0"/>
+              <a:t>HW objects</a:t>
+            </a:r>
+          </a:p>
+          <a:p>
+            <a:r>
+              <a:rPr lang="en-US" dirty="0"/>
+              <a:t>Force calibration array</a:t>
+            </a:r>
+          </a:p>
+          <a:p>
+            <a:r>
+              <a:rPr lang="en-US" dirty="0"/>
+              <a:t>Force results array</a:t>
+            </a:r>
+          </a:p>
+        </p:txBody>
+      </p:sp>
+    </p:spTree>
+    <p:extLst>
+      <p:ext uri="{BB962C8B-B14F-4D97-AF65-F5344CB8AC3E}">
+        <p14:creationId xmlns:p14="http://schemas.microsoft.com/office/powerpoint/2010/main" val="2671312878"/>
       </p:ext>
     </p:extLst>
   </p:cSld>
